--- a/seng438-assignment-1-.pptx
+++ b/seng438-assignment-1-.pptx
@@ -4963,20 +4963,8 @@
           <a:lstStyle/>
           <a:p>
             <a:r>
-              <a:rPr lang="en-CA" sz="2800" dirty="0" err="1"/>
-              <a:t>Bugheaven</a:t>
-            </a:r>
-            <a:r>
-              <a:rPr lang="en-CA" sz="2800" dirty="0"/>
-              <a:t> (free </a:t>
-            </a:r>
-            <a:r>
-              <a:rPr lang="en-CA" sz="2800"/>
-              <a:t>for up to </a:t>
-            </a:r>
-            <a:r>
-              <a:rPr lang="en-CA" sz="2800" dirty="0"/>
-              <a:t>5 users only)</a:t>
+              <a:rPr lang="en-US" sz="2800" dirty="0"/>
+              <a:t>Backlog </a:t>
             </a:r>
           </a:p>
           <a:p>
@@ -4984,37 +4972,12 @@
               <a:buNone/>
             </a:pPr>
             <a:r>
-              <a:rPr lang="en-CA" sz="2800" dirty="0"/>
-              <a:t>	</a:t>
-            </a:r>
-            <a:r>
-              <a:rPr lang="en-CA" sz="2800" dirty="0">
-                <a:hlinkClick r:id="rId2"/>
-              </a:rPr>
-              <a:t>http://www.bugheaven.com</a:t>
-            </a:r>
-            <a:r>
-              <a:rPr lang="en-CA" sz="2800" dirty="0"/>
-              <a:t> </a:t>
-            </a:r>
-          </a:p>
-          <a:p>
-            <a:r>
-              <a:rPr lang="en-US" sz="2800" dirty="0"/>
-              <a:t>Backlog </a:t>
-            </a:r>
-          </a:p>
-          <a:p>
-            <a:pPr marL="0" indent="0">
-              <a:buNone/>
-            </a:pPr>
-            <a:r>
               <a:rPr lang="en-US" sz="2800" dirty="0"/>
               <a:t>	</a:t>
             </a:r>
             <a:r>
               <a:rPr lang="en-US" sz="2800" dirty="0">
-                <a:hlinkClick r:id="rId3"/>
+                <a:hlinkClick r:id="rId2"/>
               </a:rPr>
               <a:t>https://backlog.com/bug-tracking-software/</a:t>
             </a:r>
@@ -5097,7 +5060,7 @@
           <p:nvPr/>
         </p:nvPicPr>
         <p:blipFill>
-          <a:blip r:embed="rId4">
+          <a:blip r:embed="rId3">
             <a:clrChange>
               <a:clrFrom>
                 <a:srgbClr val="FFFFFF"/>
